--- a/top-tips-teaching-excel-online.pptx
+++ b/top-tips-teaching-excel-online.pptx
@@ -5,13 +5,13 @@
     <p:sldMasterId id="2147483648" r:id="rId1"/>
   </p:sldMasterIdLst>
   <p:notesMasterIdLst>
-    <p:notesMasterId r:id="rId16"/>
+    <p:notesMasterId r:id="rId18"/>
   </p:notesMasterIdLst>
   <p:sldIdLst>
     <p:sldId id="256" r:id="rId2"/>
     <p:sldId id="393" r:id="rId3"/>
-    <p:sldId id="443" r:id="rId4"/>
-    <p:sldId id="437" r:id="rId5"/>
+    <p:sldId id="437" r:id="rId4"/>
+    <p:sldId id="443" r:id="rId5"/>
     <p:sldId id="438" r:id="rId6"/>
     <p:sldId id="444" r:id="rId7"/>
     <p:sldId id="439" r:id="rId8"/>
@@ -20,8 +20,10 @@
     <p:sldId id="442" r:id="rId11"/>
     <p:sldId id="431" r:id="rId12"/>
     <p:sldId id="336" r:id="rId13"/>
-    <p:sldId id="434" r:id="rId14"/>
-    <p:sldId id="432" r:id="rId15"/>
+    <p:sldId id="445" r:id="rId14"/>
+    <p:sldId id="434" r:id="rId15"/>
+    <p:sldId id="446" r:id="rId16"/>
+    <p:sldId id="432" r:id="rId17"/>
   </p:sldIdLst>
   <p:sldSz cx="12192000" cy="6858000"/>
   <p:notesSz cx="6858000" cy="9144000"/>
@@ -128,6 +130,18 @@
 </p:presentation>
 </file>
 
+<file path=ppt/commentAuthors.xml><?xml version="1.0" encoding="utf-8"?>
+<p:cmAuthorLst xmlns:a="http://schemas.openxmlformats.org/drawingml/2006/main" xmlns:r="http://schemas.openxmlformats.org/officeDocument/2006/relationships" xmlns:p="http://schemas.openxmlformats.org/presentationml/2006/main">
+  <p:cmAuthor id="1" name="George M" initials="GM" lastIdx="1" clrIdx="0">
+    <p:extLst>
+      <p:ext uri="{19B8F6BF-5375-455C-9EA6-DF929625EA0E}">
+        <p15:presenceInfo xmlns:p15="http://schemas.microsoft.com/office/powerpoint/2012/main" userId="S::george@georgejmount.com::f62b7f9a-d362-4c96-927b-ee32451abead" providerId="AD"/>
+      </p:ext>
+    </p:extLst>
+  </p:cmAuthor>
+</p:cmAuthorLst>
+</file>
+
 <file path=ppt/revisionInfo.xml><?xml version="1.0" encoding="utf-8"?>
 <p1510:revInfo xmlns:a="http://schemas.openxmlformats.org/drawingml/2006/main" xmlns:r="http://schemas.openxmlformats.org/officeDocument/2006/relationships" xmlns:p1510="http://schemas.microsoft.com/office/powerpoint/2015/10/main">
   <p1510:revLst>
@@ -1758,6 +1772,20 @@
 </pc:chgInfo>
 </file>
 
+<file path=ppt/comments/comment1.xml><?xml version="1.0" encoding="utf-8"?>
+<p:cmLst xmlns:a="http://schemas.openxmlformats.org/drawingml/2006/main" xmlns:r="http://schemas.openxmlformats.org/officeDocument/2006/relationships" xmlns:p="http://schemas.openxmlformats.org/presentationml/2006/main">
+  <p:cm authorId="1" dt="2021-10-21T10:19:52.155" idx="1">
+    <p:pos x="10" y="10"/>
+    <p:text/>
+    <p:extLst>
+      <p:ext uri="{C676402C-5697-4E1C-873F-D02D1690AC5C}">
+        <p15:threadingInfo xmlns:p15="http://schemas.microsoft.com/office/powerpoint/2012/main" timeZoneBias="240"/>
+      </p:ext>
+    </p:extLst>
+  </p:cm>
+</p:cmLst>
+</file>
+
 <file path=ppt/notesMasters/notesMaster1.xml><?xml version="1.0" encoding="utf-8"?>
 <p:notesMaster xmlns:a="http://schemas.openxmlformats.org/drawingml/2006/main" xmlns:r="http://schemas.openxmlformats.org/officeDocument/2006/relationships" xmlns:p="http://schemas.openxmlformats.org/presentationml/2006/main">
   <p:cSld>
@@ -1840,7 +1868,7 @@
           <a:p>
             <a:fld id="{503F064B-41F2-4661-BDF0-BFD135E9A557}" type="datetimeFigureOut">
               <a:rPr lang="en-US" smtClean="0"/>
-              <a:t>8/16/2021</a:t>
+              <a:t>10/21/2021</a:t>
             </a:fld>
             <a:endParaRPr lang="en-US"/>
           </a:p>
@@ -2151,10 +2179,7 @@
           <a:bodyPr/>
           <a:lstStyle/>
           <a:p>
-            <a:r>
-              <a:rPr lang="en-US" dirty="0"/>
-              <a:t>OK so now you will see R’s equivalent to some of those features you saw with Python. I think that for different reasons Python seems to be taking the lead on Excel automation, but R has some pretty robust features and in some ways are richer than Python’s. </a:t>
-            </a:r>
+            <a:endParaRPr lang="en-US" dirty="0"/>
           </a:p>
         </p:txBody>
       </p:sp>
@@ -2175,7 +2200,7 @@
           <a:p>
             <a:fld id="{3BB66621-ADCC-4EF8-8003-B9D3E881DCD2}" type="slidenum">
               <a:rPr lang="en-US" smtClean="0"/>
-              <a:t>4</a:t>
+              <a:t>3</a:t>
             </a:fld>
             <a:endParaRPr lang="en-US"/>
           </a:p>
@@ -2240,7 +2265,13 @@
           <a:p>
             <a:r>
               <a:rPr lang="en-US" dirty="0"/>
-              <a:t>OK so now you will see R’s equivalent to some of those features you saw with Python. I think that for different reasons Python seems to be taking the lead on Excel automation, but R has some pretty robust features and in some ways are richer than Python’s. </a:t>
+              <a:t>I suppose this first one can apply to live in-person training too, but because there’s often such a communication lag or gap in a virtual setting it’s important to stay on top of. We want to make easy for audience to follow along with what we’re doing. </a:t>
+            </a:r>
+          </a:p>
+          <a:p>
+            <a:r>
+              <a:rPr lang="en-US" dirty="0"/>
+              <a:t>Open a blank worksheet and follow with demo notes…</a:t>
             </a:r>
           </a:p>
         </p:txBody>
@@ -2260,6 +2291,93 @@
           <a:bodyPr/>
           <a:lstStyle/>
           <a:p>
+            <a:fld id="{F9DB3DAC-CD90-4DD2-80B1-E135CFB4F8DD}" type="slidenum">
+              <a:rPr lang="en-US" smtClean="0"/>
+              <a:t>5</a:t>
+            </a:fld>
+            <a:endParaRPr lang="en-US"/>
+          </a:p>
+        </p:txBody>
+      </p:sp>
+    </p:spTree>
+    <p:extLst>
+      <p:ext uri="{BB962C8B-B14F-4D97-AF65-F5344CB8AC3E}">
+        <p14:creationId xmlns:p14="http://schemas.microsoft.com/office/powerpoint/2010/main" val="1909387570"/>
+      </p:ext>
+    </p:extLst>
+  </p:cSld>
+  <p:clrMapOvr>
+    <a:masterClrMapping/>
+  </p:clrMapOvr>
+</p:notes>
+</file>
+
+<file path=ppt/notesSlides/notesSlide3.xml><?xml version="1.0" encoding="utf-8"?>
+<p:notes xmlns:a="http://schemas.openxmlformats.org/drawingml/2006/main" xmlns:r="http://schemas.openxmlformats.org/officeDocument/2006/relationships" xmlns:p="http://schemas.openxmlformats.org/presentationml/2006/main">
+  <p:cSld>
+    <p:spTree>
+      <p:nvGrpSpPr>
+        <p:cNvPr id="1" name=""/>
+        <p:cNvGrpSpPr/>
+        <p:nvPr/>
+      </p:nvGrpSpPr>
+      <p:grpSpPr>
+        <a:xfrm>
+          <a:off x="0" y="0"/>
+          <a:ext cx="0" cy="0"/>
+          <a:chOff x="0" y="0"/>
+          <a:chExt cx="0" cy="0"/>
+        </a:xfrm>
+      </p:grpSpPr>
+      <p:sp>
+        <p:nvSpPr>
+          <p:cNvPr id="2" name="Slide Image Placeholder 1"/>
+          <p:cNvSpPr>
+            <a:spLocks noGrp="1" noRot="1" noChangeAspect="1"/>
+          </p:cNvSpPr>
+          <p:nvPr>
+            <p:ph type="sldImg"/>
+          </p:nvPr>
+        </p:nvSpPr>
+        <p:spPr/>
+      </p:sp>
+      <p:sp>
+        <p:nvSpPr>
+          <p:cNvPr id="3" name="Notes Placeholder 2"/>
+          <p:cNvSpPr>
+            <a:spLocks noGrp="1"/>
+          </p:cNvSpPr>
+          <p:nvPr>
+            <p:ph type="body" idx="1"/>
+          </p:nvPr>
+        </p:nvSpPr>
+        <p:spPr/>
+        <p:txBody>
+          <a:bodyPr/>
+          <a:lstStyle/>
+          <a:p>
+            <a:r>
+              <a:rPr lang="en-US" dirty="0"/>
+              <a:t>OK so now you will see R’s equivalent to some of those features you saw with Python. I think that for different reasons Python seems to be taking the lead on Excel automation, but R has some pretty robust features and in some ways are richer than Python’s. </a:t>
+            </a:r>
+          </a:p>
+        </p:txBody>
+      </p:sp>
+      <p:sp>
+        <p:nvSpPr>
+          <p:cNvPr id="4" name="Slide Number Placeholder 3"/>
+          <p:cNvSpPr>
+            <a:spLocks noGrp="1"/>
+          </p:cNvSpPr>
+          <p:nvPr>
+            <p:ph type="sldNum" sz="quarter" idx="5"/>
+          </p:nvPr>
+        </p:nvSpPr>
+        <p:spPr/>
+        <p:txBody>
+          <a:bodyPr/>
+          <a:lstStyle/>
+          <a:p>
             <a:fld id="{3BB66621-ADCC-4EF8-8003-B9D3E881DCD2}" type="slidenum">
               <a:rPr lang="en-US" smtClean="0"/>
               <a:t>10</a:t>
@@ -2272,6 +2390,191 @@
     <p:extLst>
       <p:ext uri="{BB962C8B-B14F-4D97-AF65-F5344CB8AC3E}">
         <p14:creationId xmlns:p14="http://schemas.microsoft.com/office/powerpoint/2010/main" val="506452608"/>
+      </p:ext>
+    </p:extLst>
+  </p:cSld>
+  <p:clrMapOvr>
+    <a:masterClrMapping/>
+  </p:clrMapOvr>
+</p:notes>
+</file>
+
+<file path=ppt/notesSlides/notesSlide4.xml><?xml version="1.0" encoding="utf-8"?>
+<p:notes xmlns:a="http://schemas.openxmlformats.org/drawingml/2006/main" xmlns:r="http://schemas.openxmlformats.org/officeDocument/2006/relationships" xmlns:p="http://schemas.openxmlformats.org/presentationml/2006/main">
+  <p:cSld>
+    <p:spTree>
+      <p:nvGrpSpPr>
+        <p:cNvPr id="1" name=""/>
+        <p:cNvGrpSpPr/>
+        <p:nvPr/>
+      </p:nvGrpSpPr>
+      <p:grpSpPr>
+        <a:xfrm>
+          <a:off x="0" y="0"/>
+          <a:ext cx="0" cy="0"/>
+          <a:chOff x="0" y="0"/>
+          <a:chExt cx="0" cy="0"/>
+        </a:xfrm>
+      </p:grpSpPr>
+      <p:sp>
+        <p:nvSpPr>
+          <p:cNvPr id="2" name="Slide Image Placeholder 1"/>
+          <p:cNvSpPr>
+            <a:spLocks noGrp="1" noRot="1" noChangeAspect="1"/>
+          </p:cNvSpPr>
+          <p:nvPr>
+            <p:ph type="sldImg"/>
+          </p:nvPr>
+        </p:nvSpPr>
+        <p:spPr/>
+      </p:sp>
+      <p:sp>
+        <p:nvSpPr>
+          <p:cNvPr id="3" name="Notes Placeholder 2"/>
+          <p:cNvSpPr>
+            <a:spLocks noGrp="1"/>
+          </p:cNvSpPr>
+          <p:nvPr>
+            <p:ph type="body" idx="1"/>
+          </p:nvPr>
+        </p:nvSpPr>
+        <p:spPr/>
+        <p:txBody>
+          <a:bodyPr/>
+          <a:lstStyle/>
+          <a:p>
+            <a:r>
+              <a:rPr lang="en-US" dirty="0"/>
+              <a:t>Please subscribe to my newsletter and you’ll get access to my analytics education resource library.</a:t>
+            </a:r>
+          </a:p>
+          <a:p>
+            <a:r>
+              <a:rPr lang="en-US" dirty="0"/>
+              <a:t>If you’d like to discuss your current </a:t>
+            </a:r>
+            <a:r>
+              <a:rPr lang="en-US" dirty="0" err="1"/>
+              <a:t>upsklling</a:t>
+            </a:r>
+            <a:r>
+              <a:rPr lang="en-US" dirty="0"/>
+              <a:t> strategy, you can book a free data literacy audit. </a:t>
+            </a:r>
+          </a:p>
+        </p:txBody>
+      </p:sp>
+      <p:sp>
+        <p:nvSpPr>
+          <p:cNvPr id="4" name="Slide Number Placeholder 3"/>
+          <p:cNvSpPr>
+            <a:spLocks noGrp="1"/>
+          </p:cNvSpPr>
+          <p:nvPr>
+            <p:ph type="sldNum" sz="quarter" idx="5"/>
+          </p:nvPr>
+        </p:nvSpPr>
+        <p:spPr/>
+        <p:txBody>
+          <a:bodyPr/>
+          <a:lstStyle/>
+          <a:p>
+            <a:fld id="{F9DB3DAC-CD90-4DD2-80B1-E135CFB4F8DD}" type="slidenum">
+              <a:rPr lang="en-US" smtClean="0"/>
+              <a:t>12</a:t>
+            </a:fld>
+            <a:endParaRPr lang="en-US"/>
+          </a:p>
+        </p:txBody>
+      </p:sp>
+    </p:spTree>
+    <p:extLst>
+      <p:ext uri="{BB962C8B-B14F-4D97-AF65-F5344CB8AC3E}">
+        <p14:creationId xmlns:p14="http://schemas.microsoft.com/office/powerpoint/2010/main" val="1887147172"/>
+      </p:ext>
+    </p:extLst>
+  </p:cSld>
+  <p:clrMapOvr>
+    <a:masterClrMapping/>
+  </p:clrMapOvr>
+</p:notes>
+</file>
+
+<file path=ppt/notesSlides/notesSlide5.xml><?xml version="1.0" encoding="utf-8"?>
+<p:notes xmlns:a="http://schemas.openxmlformats.org/drawingml/2006/main" xmlns:r="http://schemas.openxmlformats.org/officeDocument/2006/relationships" xmlns:p="http://schemas.openxmlformats.org/presentationml/2006/main">
+  <p:cSld>
+    <p:spTree>
+      <p:nvGrpSpPr>
+        <p:cNvPr id="1" name=""/>
+        <p:cNvGrpSpPr/>
+        <p:nvPr/>
+      </p:nvGrpSpPr>
+      <p:grpSpPr>
+        <a:xfrm>
+          <a:off x="0" y="0"/>
+          <a:ext cx="0" cy="0"/>
+          <a:chOff x="0" y="0"/>
+          <a:chExt cx="0" cy="0"/>
+        </a:xfrm>
+      </p:grpSpPr>
+      <p:sp>
+        <p:nvSpPr>
+          <p:cNvPr id="2" name="Slide Image Placeholder 1"/>
+          <p:cNvSpPr>
+            <a:spLocks noGrp="1" noRot="1" noChangeAspect="1"/>
+          </p:cNvSpPr>
+          <p:nvPr>
+            <p:ph type="sldImg"/>
+          </p:nvPr>
+        </p:nvSpPr>
+        <p:spPr/>
+      </p:sp>
+      <p:sp>
+        <p:nvSpPr>
+          <p:cNvPr id="3" name="Notes Placeholder 2"/>
+          <p:cNvSpPr>
+            <a:spLocks noGrp="1"/>
+          </p:cNvSpPr>
+          <p:nvPr>
+            <p:ph type="body" idx="1"/>
+          </p:nvPr>
+        </p:nvSpPr>
+        <p:spPr/>
+        <p:txBody>
+          <a:bodyPr/>
+          <a:lstStyle/>
+          <a:p>
+            <a:endParaRPr lang="en-US" dirty="0"/>
+          </a:p>
+        </p:txBody>
+      </p:sp>
+      <p:sp>
+        <p:nvSpPr>
+          <p:cNvPr id="4" name="Slide Number Placeholder 3"/>
+          <p:cNvSpPr>
+            <a:spLocks noGrp="1"/>
+          </p:cNvSpPr>
+          <p:nvPr>
+            <p:ph type="sldNum" sz="quarter" idx="5"/>
+          </p:nvPr>
+        </p:nvSpPr>
+        <p:spPr/>
+        <p:txBody>
+          <a:bodyPr/>
+          <a:lstStyle/>
+          <a:p>
+            <a:fld id="{F9DB3DAC-CD90-4DD2-80B1-E135CFB4F8DD}" type="slidenum">
+              <a:rPr lang="en-US" smtClean="0"/>
+              <a:t>15</a:t>
+            </a:fld>
+            <a:endParaRPr lang="en-US"/>
+          </a:p>
+        </p:txBody>
+      </p:sp>
+    </p:spTree>
+    <p:extLst>
+      <p:ext uri="{BB962C8B-B14F-4D97-AF65-F5344CB8AC3E}">
+        <p14:creationId xmlns:p14="http://schemas.microsoft.com/office/powerpoint/2010/main" val="346714009"/>
       </p:ext>
     </p:extLst>
   </p:cSld>
@@ -2410,7 +2713,7 @@
           <a:p>
             <a:fld id="{0138B082-EFC2-46C1-B47C-51736C670379}" type="datetimeFigureOut">
               <a:rPr lang="en-US" smtClean="0"/>
-              <a:t>8/16/2021</a:t>
+              <a:t>10/21/2021</a:t>
             </a:fld>
             <a:endParaRPr lang="en-US"/>
           </a:p>
@@ -2578,7 +2881,7 @@
           <a:p>
             <a:fld id="{0138B082-EFC2-46C1-B47C-51736C670379}" type="datetimeFigureOut">
               <a:rPr lang="en-US" smtClean="0"/>
-              <a:t>8/16/2021</a:t>
+              <a:t>10/21/2021</a:t>
             </a:fld>
             <a:endParaRPr lang="en-US"/>
           </a:p>
@@ -2756,7 +3059,7 @@
           <a:p>
             <a:fld id="{0138B082-EFC2-46C1-B47C-51736C670379}" type="datetimeFigureOut">
               <a:rPr lang="en-US" smtClean="0"/>
-              <a:t>8/16/2021</a:t>
+              <a:t>10/21/2021</a:t>
             </a:fld>
             <a:endParaRPr lang="en-US"/>
           </a:p>
@@ -2924,7 +3227,7 @@
           <a:p>
             <a:fld id="{0138B082-EFC2-46C1-B47C-51736C670379}" type="datetimeFigureOut">
               <a:rPr lang="en-US" smtClean="0"/>
-              <a:t>8/16/2021</a:t>
+              <a:t>10/21/2021</a:t>
             </a:fld>
             <a:endParaRPr lang="en-US"/>
           </a:p>
@@ -3169,7 +3472,7 @@
           <a:p>
             <a:fld id="{0138B082-EFC2-46C1-B47C-51736C670379}" type="datetimeFigureOut">
               <a:rPr lang="en-US" smtClean="0"/>
-              <a:t>8/16/2021</a:t>
+              <a:t>10/21/2021</a:t>
             </a:fld>
             <a:endParaRPr lang="en-US"/>
           </a:p>
@@ -3398,7 +3701,7 @@
           <a:p>
             <a:fld id="{0138B082-EFC2-46C1-B47C-51736C670379}" type="datetimeFigureOut">
               <a:rPr lang="en-US" smtClean="0"/>
-              <a:t>8/16/2021</a:t>
+              <a:t>10/21/2021</a:t>
             </a:fld>
             <a:endParaRPr lang="en-US"/>
           </a:p>
@@ -3762,7 +4065,7 @@
           <a:p>
             <a:fld id="{0138B082-EFC2-46C1-B47C-51736C670379}" type="datetimeFigureOut">
               <a:rPr lang="en-US" smtClean="0"/>
-              <a:t>8/16/2021</a:t>
+              <a:t>10/21/2021</a:t>
             </a:fld>
             <a:endParaRPr lang="en-US"/>
           </a:p>
@@ -3879,7 +4182,7 @@
           <a:p>
             <a:fld id="{0138B082-EFC2-46C1-B47C-51736C670379}" type="datetimeFigureOut">
               <a:rPr lang="en-US" smtClean="0"/>
-              <a:t>8/16/2021</a:t>
+              <a:t>10/21/2021</a:t>
             </a:fld>
             <a:endParaRPr lang="en-US"/>
           </a:p>
@@ -3974,7 +4277,7 @@
           <a:p>
             <a:fld id="{0138B082-EFC2-46C1-B47C-51736C670379}" type="datetimeFigureOut">
               <a:rPr lang="en-US" smtClean="0"/>
-              <a:t>8/16/2021</a:t>
+              <a:t>10/21/2021</a:t>
             </a:fld>
             <a:endParaRPr lang="en-US"/>
           </a:p>
@@ -4249,7 +4552,7 @@
           <a:p>
             <a:fld id="{0138B082-EFC2-46C1-B47C-51736C670379}" type="datetimeFigureOut">
               <a:rPr lang="en-US" smtClean="0"/>
-              <a:t>8/16/2021</a:t>
+              <a:t>10/21/2021</a:t>
             </a:fld>
             <a:endParaRPr lang="en-US"/>
           </a:p>
@@ -4501,7 +4804,7 @@
           <a:p>
             <a:fld id="{0138B082-EFC2-46C1-B47C-51736C670379}" type="datetimeFigureOut">
               <a:rPr lang="en-US" smtClean="0"/>
-              <a:t>8/16/2021</a:t>
+              <a:t>10/21/2021</a:t>
             </a:fld>
             <a:endParaRPr lang="en-US"/>
           </a:p>
@@ -4712,7 +5015,7 @@
           <a:p>
             <a:fld id="{0138B082-EFC2-46C1-B47C-51736C670379}" type="datetimeFigureOut">
               <a:rPr lang="en-US" smtClean="0"/>
-              <a:t>8/16/2021</a:t>
+              <a:t>10/21/2021</a:t>
             </a:fld>
             <a:endParaRPr lang="en-US"/>
           </a:p>
@@ -5265,6 +5568,42 @@
           </a:prstGeom>
         </p:spPr>
       </p:pic>
+      <p:pic>
+        <p:nvPicPr>
+          <p:cNvPr id="5" name="Picture 4" descr="Text&#10;&#10;Description automatically generated">
+            <a:extLst>
+              <a:ext uri="{FF2B5EF4-FFF2-40B4-BE49-F238E27FC236}">
+                <a16:creationId xmlns:a16="http://schemas.microsoft.com/office/drawing/2014/main" id="{6F451A8A-1D8E-48BD-BA6B-18A77DB39B5B}"/>
+              </a:ext>
+            </a:extLst>
+          </p:cNvPr>
+          <p:cNvPicPr>
+            <a:picLocks noChangeAspect="1"/>
+          </p:cNvPicPr>
+          <p:nvPr/>
+        </p:nvPicPr>
+        <p:blipFill>
+          <a:blip r:embed="rId5">
+            <a:extLst>
+              <a:ext uri="{28A0092B-C50C-407E-A947-70E740481C1C}">
+                <a14:useLocalDpi xmlns:a14="http://schemas.microsoft.com/office/drawing/2010/main" val="0"/>
+              </a:ext>
+            </a:extLst>
+          </a:blip>
+          <a:stretch>
+            <a:fillRect/>
+          </a:stretch>
+        </p:blipFill>
+        <p:spPr>
+          <a:xfrm>
+            <a:off x="762" y="428"/>
+            <a:ext cx="12190476" cy="6857143"/>
+          </a:xfrm>
+          <a:prstGeom prst="rect">
+            <a:avLst/>
+          </a:prstGeom>
+        </p:spPr>
+      </p:pic>
     </p:spTree>
     <p:extLst>
       <p:ext uri="{BB962C8B-B14F-4D97-AF65-F5344CB8AC3E}">
@@ -5442,7 +5781,7 @@
                 </a:solidFill>
                 <a:latin typeface="Pragmatica" pitchFamily="2" charset="0"/>
               </a:rPr>
-              <a:t>What tips are you excited to try?</a:t>
+              <a:t>When could you use these tip?</a:t>
             </a:r>
           </a:p>
           <a:p>
@@ -5469,7 +5808,7 @@
                 </a:solidFill>
                 <a:latin typeface="Pragmatica" pitchFamily="2" charset="0"/>
               </a:rPr>
-              <a:t>What tips can you share? </a:t>
+              <a:t>What tips do you have?</a:t>
             </a:r>
           </a:p>
         </p:txBody>
@@ -5620,7 +5959,7 @@
           <p:nvPr/>
         </p:nvPicPr>
         <p:blipFill rotWithShape="1">
-          <a:blip r:embed="rId2">
+          <a:blip r:embed="rId3">
             <a:extLst>
               <a:ext uri="{28A0092B-C50C-407E-A947-70E740481C1C}">
                 <a14:useLocalDpi xmlns:a14="http://schemas.microsoft.com/office/drawing/2010/main" val="0"/>
@@ -5649,7 +5988,7 @@
           <p:nvPr/>
         </p:nvPicPr>
         <p:blipFill>
-          <a:blip r:embed="rId3">
+          <a:blip r:embed="rId4">
             <a:extLst>
               <a:ext uri="{28A0092B-C50C-407E-A947-70E740481C1C}">
                 <a14:useLocalDpi xmlns:a14="http://schemas.microsoft.com/office/drawing/2010/main" val="0"/>
@@ -5679,7 +6018,7 @@
         <p:spPr>
           <a:xfrm>
             <a:off x="324091" y="1687545"/>
-            <a:ext cx="7986531" cy="1384995"/>
+            <a:ext cx="7986531" cy="2677656"/>
           </a:xfrm>
           <a:prstGeom prst="rect">
             <a:avLst/>
@@ -5699,7 +6038,7 @@
                 </a:solidFill>
                 <a:latin typeface="Pragmatica" panose="020B0403040502020204" pitchFamily="34" charset="0"/>
               </a:rPr>
-              <a:t>Event survey: </a:t>
+              <a:t>Resource library: </a:t>
             </a:r>
             <a:r>
               <a:rPr lang="en-US" sz="2800" b="1" dirty="0">
@@ -5707,16 +6046,59 @@
                   <a:srgbClr val="707070"/>
                 </a:solidFill>
                 <a:latin typeface="Pragmatica" panose="020B0403040502020204" pitchFamily="34" charset="0"/>
-                <a:hlinkClick r:id="rId4"/>
+                <a:hlinkClick r:id="rId5"/>
               </a:rPr>
-              <a:t>https://forms.office.com/r/0ZnD0LxpZy</a:t>
-            </a:r>
+              <a:t>https://stringfestanalytics.com/subscribe/</a:t>
+            </a:r>
+            <a:r>
+              <a:rPr lang="en-US" sz="2800" b="1" dirty="0">
+                <a:solidFill>
+                  <a:srgbClr val="707070"/>
+                </a:solidFill>
+                <a:latin typeface="Pragmatica" panose="020B0403040502020204" pitchFamily="34" charset="0"/>
+              </a:rPr>
+              <a:t> </a:t>
+            </a:r>
+          </a:p>
+          <a:p>
             <a:endParaRPr lang="en-US" sz="2800" b="1" dirty="0">
               <a:solidFill>
                 <a:srgbClr val="707070"/>
               </a:solidFill>
               <a:latin typeface="Pragmatica" panose="020B0403040502020204" pitchFamily="34" charset="0"/>
             </a:endParaRPr>
+          </a:p>
+          <a:p>
+            <a:r>
+              <a:rPr lang="en-US" sz="2800" b="1" dirty="0">
+                <a:solidFill>
+                  <a:srgbClr val="707070"/>
+                </a:solidFill>
+                <a:latin typeface="Pragmatica" panose="020B0403040502020204" pitchFamily="34" charset="0"/>
+              </a:rPr>
+              <a:t>Free data literacy audit call:</a:t>
+            </a:r>
+          </a:p>
+          <a:p>
+            <a:r>
+              <a:rPr lang="en-US" sz="2800" b="1" dirty="0">
+                <a:solidFill>
+                  <a:srgbClr val="707070"/>
+                </a:solidFill>
+                <a:latin typeface="Pragmatica" panose="020B0403040502020204" pitchFamily="34" charset="0"/>
+                <a:hlinkClick r:id="rId6"/>
+              </a:rPr>
+              <a:t>https://stringfestanalytics.com/contact/</a:t>
+            </a:r>
+            <a:r>
+              <a:rPr lang="en-US" sz="2800" b="1" dirty="0">
+                <a:solidFill>
+                  <a:srgbClr val="707070"/>
+                </a:solidFill>
+                <a:latin typeface="Pragmatica" panose="020B0403040502020204" pitchFamily="34" charset="0"/>
+              </a:rPr>
+              <a:t>  </a:t>
+            </a:r>
           </a:p>
           <a:p>
             <a:endParaRPr lang="en-US" sz="2800" b="1" dirty="0">
@@ -5826,7 +6208,7 @@
         <p:spPr>
           <a:xfrm>
             <a:off x="324091" y="1687545"/>
-            <a:ext cx="7986531" cy="1077218"/>
+            <a:ext cx="7986531" cy="1384995"/>
           </a:xfrm>
           <a:prstGeom prst="rect">
             <a:avLst/>
@@ -5840,29 +6222,45 @@
           <a:lstStyle/>
           <a:p>
             <a:r>
-              <a:rPr lang="en-US" sz="4400" b="1" dirty="0">
+              <a:rPr lang="en-US" sz="2800" b="1" dirty="0">
                 <a:solidFill>
                   <a:srgbClr val="707070"/>
                 </a:solidFill>
                 <a:latin typeface="Pragmatica" panose="020B0403040502020204" pitchFamily="34" charset="0"/>
               </a:rPr>
-              <a:t>Questions?</a:t>
-            </a:r>
-          </a:p>
-          <a:p>
-            <a:endParaRPr lang="en-US" sz="2000" b="1" i="1" dirty="0">
+              <a:t>Event survey: </a:t>
+            </a:r>
+            <a:r>
+              <a:rPr lang="en-US" sz="2800" b="1" dirty="0">
+                <a:solidFill>
+                  <a:srgbClr val="707070"/>
+                </a:solidFill>
+                <a:latin typeface="Pragmatica" panose="020B0403040502020204" pitchFamily="34" charset="0"/>
+                <a:hlinkClick r:id="rId4"/>
+              </a:rPr>
+              <a:t>https://forms.office.com/r/0ZnD0LxpZy</a:t>
+            </a:r>
+            <a:endParaRPr lang="en-US" sz="2800" b="1" dirty="0">
               <a:solidFill>
                 <a:srgbClr val="707070"/>
               </a:solidFill>
               <a:latin typeface="Pragmatica" panose="020B0403040502020204" pitchFamily="34" charset="0"/>
             </a:endParaRPr>
           </a:p>
+          <a:p>
+            <a:endParaRPr lang="en-US" sz="2800" b="1" dirty="0">
+              <a:solidFill>
+                <a:srgbClr val="707070"/>
+              </a:solidFill>
+              <a:latin typeface="Pragmatica" panose="020B0403040502020204" pitchFamily="34" charset="0"/>
+            </a:endParaRPr>
+          </a:p>
         </p:txBody>
       </p:sp>
     </p:spTree>
     <p:extLst>
       <p:ext uri="{BB962C8B-B14F-4D97-AF65-F5344CB8AC3E}">
-        <p14:creationId xmlns:p14="http://schemas.microsoft.com/office/powerpoint/2010/main" val="2792158884"/>
+        <p14:creationId xmlns:p14="http://schemas.microsoft.com/office/powerpoint/2010/main" val="829567570"/>
       </p:ext>
     </p:extLst>
   </p:cSld>
@@ -5957,6 +6355,305 @@
         <p:spPr>
           <a:xfrm>
             <a:off x="324091" y="1687545"/>
+            <a:ext cx="7986531" cy="1077218"/>
+          </a:xfrm>
+          <a:prstGeom prst="rect">
+            <a:avLst/>
+          </a:prstGeom>
+          <a:noFill/>
+        </p:spPr>
+        <p:txBody>
+          <a:bodyPr wrap="square" rtlCol="0">
+            <a:spAutoFit/>
+          </a:bodyPr>
+          <a:lstStyle/>
+          <a:p>
+            <a:r>
+              <a:rPr lang="en-US" sz="4400" b="1" dirty="0">
+                <a:solidFill>
+                  <a:srgbClr val="707070"/>
+                </a:solidFill>
+                <a:latin typeface="Pragmatica" panose="020B0403040502020204" pitchFamily="34" charset="0"/>
+              </a:rPr>
+              <a:t>Questions?</a:t>
+            </a:r>
+          </a:p>
+          <a:p>
+            <a:endParaRPr lang="en-US" sz="2000" b="1" i="1" dirty="0">
+              <a:solidFill>
+                <a:srgbClr val="707070"/>
+              </a:solidFill>
+              <a:latin typeface="Pragmatica" panose="020B0403040502020204" pitchFamily="34" charset="0"/>
+            </a:endParaRPr>
+          </a:p>
+        </p:txBody>
+      </p:sp>
+    </p:spTree>
+    <p:extLst>
+      <p:ext uri="{BB962C8B-B14F-4D97-AF65-F5344CB8AC3E}">
+        <p14:creationId xmlns:p14="http://schemas.microsoft.com/office/powerpoint/2010/main" val="2792158884"/>
+      </p:ext>
+    </p:extLst>
+  </p:cSld>
+  <p:clrMapOvr>
+    <a:masterClrMapping/>
+  </p:clrMapOvr>
+</p:sld>
+</file>
+
+<file path=ppt/slides/slide15.xml><?xml version="1.0" encoding="utf-8"?>
+<p:sld xmlns:a="http://schemas.openxmlformats.org/drawingml/2006/main" xmlns:r="http://schemas.openxmlformats.org/officeDocument/2006/relationships" xmlns:p="http://schemas.openxmlformats.org/presentationml/2006/main">
+  <p:cSld>
+    <p:spTree>
+      <p:nvGrpSpPr>
+        <p:cNvPr id="1" name=""/>
+        <p:cNvGrpSpPr/>
+        <p:nvPr/>
+      </p:nvGrpSpPr>
+      <p:grpSpPr>
+        <a:xfrm>
+          <a:off x="0" y="0"/>
+          <a:ext cx="0" cy="0"/>
+          <a:chOff x="0" y="0"/>
+          <a:chExt cx="0" cy="0"/>
+        </a:xfrm>
+      </p:grpSpPr>
+      <p:pic>
+        <p:nvPicPr>
+          <p:cNvPr id="4" name="Picture 3"/>
+          <p:cNvPicPr>
+            <a:picLocks noChangeAspect="1"/>
+          </p:cNvPicPr>
+          <p:nvPr/>
+        </p:nvPicPr>
+        <p:blipFill>
+          <a:blip r:embed="rId3">
+            <a:extLst>
+              <a:ext uri="{28A0092B-C50C-407E-A947-70E740481C1C}">
+                <a14:useLocalDpi xmlns:a14="http://schemas.microsoft.com/office/drawing/2010/main" val="0"/>
+              </a:ext>
+            </a:extLst>
+          </a:blip>
+          <a:stretch>
+            <a:fillRect/>
+          </a:stretch>
+        </p:blipFill>
+        <p:spPr>
+          <a:xfrm>
+            <a:off x="-538496" y="-2482770"/>
+            <a:ext cx="10171472" cy="7459883"/>
+          </a:xfrm>
+          <a:prstGeom prst="rect">
+            <a:avLst/>
+          </a:prstGeom>
+        </p:spPr>
+      </p:pic>
+      <p:sp>
+        <p:nvSpPr>
+          <p:cNvPr id="11" name="TextBox 10"/>
+          <p:cNvSpPr txBox="1"/>
+          <p:nvPr/>
+        </p:nvSpPr>
+        <p:spPr>
+          <a:xfrm>
+            <a:off x="324091" y="1687545"/>
+            <a:ext cx="7986531" cy="2431435"/>
+          </a:xfrm>
+          <a:prstGeom prst="rect">
+            <a:avLst/>
+          </a:prstGeom>
+          <a:noFill/>
+        </p:spPr>
+        <p:txBody>
+          <a:bodyPr wrap="square" rtlCol="0">
+            <a:spAutoFit/>
+          </a:bodyPr>
+          <a:lstStyle/>
+          <a:p>
+            <a:r>
+              <a:rPr lang="en-US" sz="4400" b="1" dirty="0">
+                <a:solidFill>
+                  <a:srgbClr val="707070"/>
+                </a:solidFill>
+                <a:latin typeface="Pragmatica" panose="020B0403040502020204" pitchFamily="34" charset="0"/>
+              </a:rPr>
+              <a:t>Questions?</a:t>
+            </a:r>
+          </a:p>
+          <a:p>
+            <a:endParaRPr lang="en-US" sz="4400" b="1" dirty="0">
+              <a:solidFill>
+                <a:srgbClr val="707070"/>
+              </a:solidFill>
+              <a:latin typeface="Pragmatica" panose="020B0403040502020204" pitchFamily="34" charset="0"/>
+            </a:endParaRPr>
+          </a:p>
+          <a:p>
+            <a:r>
+              <a:rPr lang="en-US" sz="4400" b="1" i="1" dirty="0">
+                <a:solidFill>
+                  <a:srgbClr val="707070"/>
+                </a:solidFill>
+                <a:latin typeface="Pragmatica" panose="020B0403040502020204" pitchFamily="34" charset="0"/>
+              </a:rPr>
+              <a:t>Who wants to win a book?</a:t>
+            </a:r>
+          </a:p>
+          <a:p>
+            <a:endParaRPr lang="en-US" sz="2000" b="1" i="1" dirty="0">
+              <a:solidFill>
+                <a:srgbClr val="707070"/>
+              </a:solidFill>
+              <a:latin typeface="Pragmatica" panose="020B0403040502020204" pitchFamily="34" charset="0"/>
+            </a:endParaRPr>
+          </a:p>
+        </p:txBody>
+      </p:sp>
+      <p:pic>
+        <p:nvPicPr>
+          <p:cNvPr id="1026" name="Picture 2" descr="Advancing into Analytics Cover Image">
+            <a:extLst>
+              <a:ext uri="{FF2B5EF4-FFF2-40B4-BE49-F238E27FC236}">
+                <a16:creationId xmlns:a16="http://schemas.microsoft.com/office/drawing/2014/main" id="{082FDA15-9EBA-49D6-B73D-34F536EA189E}"/>
+              </a:ext>
+            </a:extLst>
+          </p:cNvPr>
+          <p:cNvPicPr>
+            <a:picLocks noChangeAspect="1" noChangeArrowheads="1"/>
+          </p:cNvPicPr>
+          <p:nvPr/>
+        </p:nvPicPr>
+        <p:blipFill>
+          <a:blip r:embed="rId4">
+            <a:extLst>
+              <a:ext uri="{28A0092B-C50C-407E-A947-70E740481C1C}">
+                <a14:useLocalDpi xmlns:a14="http://schemas.microsoft.com/office/drawing/2010/main" val="0"/>
+              </a:ext>
+            </a:extLst>
+          </a:blip>
+          <a:srcRect/>
+          <a:stretch>
+            <a:fillRect/>
+          </a:stretch>
+        </p:blipFill>
+        <p:spPr bwMode="auto">
+          <a:xfrm>
+            <a:off x="8421418" y="1933903"/>
+            <a:ext cx="3770582" cy="4924097"/>
+          </a:xfrm>
+          <a:prstGeom prst="rect">
+            <a:avLst/>
+          </a:prstGeom>
+          <a:noFill/>
+          <a:extLst>
+            <a:ext uri="{909E8E84-426E-40DD-AFC4-6F175D3DCCD1}">
+              <a14:hiddenFill xmlns:a14="http://schemas.microsoft.com/office/drawing/2010/main">
+                <a:solidFill>
+                  <a:srgbClr val="FFFFFF"/>
+                </a:solidFill>
+              </a14:hiddenFill>
+            </a:ext>
+          </a:extLst>
+        </p:spPr>
+      </p:pic>
+    </p:spTree>
+    <p:extLst>
+      <p:ext uri="{BB962C8B-B14F-4D97-AF65-F5344CB8AC3E}">
+        <p14:creationId xmlns:p14="http://schemas.microsoft.com/office/powerpoint/2010/main" val="102607451"/>
+      </p:ext>
+    </p:extLst>
+  </p:cSld>
+  <p:clrMapOvr>
+    <a:masterClrMapping/>
+  </p:clrMapOvr>
+</p:sld>
+</file>
+
+<file path=ppt/slides/slide16.xml><?xml version="1.0" encoding="utf-8"?>
+<p:sld xmlns:a="http://schemas.openxmlformats.org/drawingml/2006/main" xmlns:r="http://schemas.openxmlformats.org/officeDocument/2006/relationships" xmlns:p="http://schemas.openxmlformats.org/presentationml/2006/main">
+  <p:cSld>
+    <p:spTree>
+      <p:nvGrpSpPr>
+        <p:cNvPr id="1" name=""/>
+        <p:cNvGrpSpPr/>
+        <p:nvPr/>
+      </p:nvGrpSpPr>
+      <p:grpSpPr>
+        <a:xfrm>
+          <a:off x="0" y="0"/>
+          <a:ext cx="0" cy="0"/>
+          <a:chOff x="0" y="0"/>
+          <a:chExt cx="0" cy="0"/>
+        </a:xfrm>
+      </p:grpSpPr>
+      <p:pic>
+        <p:nvPicPr>
+          <p:cNvPr id="10" name="Picture 9"/>
+          <p:cNvPicPr>
+            <a:picLocks noChangeAspect="1"/>
+          </p:cNvPicPr>
+          <p:nvPr/>
+        </p:nvPicPr>
+        <p:blipFill rotWithShape="1">
+          <a:blip r:embed="rId2">
+            <a:extLst>
+              <a:ext uri="{28A0092B-C50C-407E-A947-70E740481C1C}">
+                <a14:useLocalDpi xmlns:a14="http://schemas.microsoft.com/office/drawing/2010/main" val="0"/>
+              </a:ext>
+            </a:extLst>
+          </a:blip>
+          <a:srcRect l="50728" t="56371"/>
+          <a:stretch/>
+        </p:blipFill>
+        <p:spPr>
+          <a:xfrm>
+            <a:off x="8136460" y="2210765"/>
+            <a:ext cx="4055539" cy="4647236"/>
+          </a:xfrm>
+          <a:prstGeom prst="rect">
+            <a:avLst/>
+          </a:prstGeom>
+        </p:spPr>
+      </p:pic>
+      <p:pic>
+        <p:nvPicPr>
+          <p:cNvPr id="4" name="Picture 3"/>
+          <p:cNvPicPr>
+            <a:picLocks noChangeAspect="1"/>
+          </p:cNvPicPr>
+          <p:nvPr/>
+        </p:nvPicPr>
+        <p:blipFill>
+          <a:blip r:embed="rId3">
+            <a:extLst>
+              <a:ext uri="{28A0092B-C50C-407E-A947-70E740481C1C}">
+                <a14:useLocalDpi xmlns:a14="http://schemas.microsoft.com/office/drawing/2010/main" val="0"/>
+              </a:ext>
+            </a:extLst>
+          </a:blip>
+          <a:stretch>
+            <a:fillRect/>
+          </a:stretch>
+        </p:blipFill>
+        <p:spPr>
+          <a:xfrm>
+            <a:off x="-538496" y="-2482770"/>
+            <a:ext cx="10171472" cy="7459883"/>
+          </a:xfrm>
+          <a:prstGeom prst="rect">
+            <a:avLst/>
+          </a:prstGeom>
+        </p:spPr>
+      </p:pic>
+      <p:sp>
+        <p:nvSpPr>
+          <p:cNvPr id="11" name="TextBox 10"/>
+          <p:cNvSpPr txBox="1"/>
+          <p:nvPr/>
+        </p:nvSpPr>
+        <p:spPr>
+          <a:xfrm>
+            <a:off x="324091" y="1687545"/>
             <a:ext cx="7986531" cy="2369880"/>
           </a:xfrm>
           <a:prstGeom prst="rect">
@@ -6143,7 +6840,7 @@
         <p:spPr>
           <a:xfrm>
             <a:off x="462987" y="1365813"/>
-            <a:ext cx="9595413" cy="1815882"/>
+            <a:ext cx="9595413" cy="3108543"/>
           </a:xfrm>
           <a:prstGeom prst="rect">
             <a:avLst/>
@@ -6167,11 +6864,27 @@
                 </a:solidFill>
                 <a:latin typeface="Pragmatica" panose="020B0403040502020204" pitchFamily="34" charset="0"/>
               </a:rPr>
-              <a:t>Download resources: ____</a:t>
-            </a:r>
-          </a:p>
-          <a:p>
-            <a:pPr marL="285750" indent="-285750">
+              <a:t>Download resources: </a:t>
+            </a:r>
+            <a:r>
+              <a:rPr lang="en-US" sz="2800" dirty="0">
+                <a:solidFill>
+                  <a:srgbClr val="707070"/>
+                </a:solidFill>
+                <a:latin typeface="Pragmatica" panose="020B0403040502020204" pitchFamily="34" charset="0"/>
+                <a:hlinkClick r:id="rId3"/>
+              </a:rPr>
+              <a:t>https://github.com/stringfestdata/five-tips-virtual-excel-instruction</a:t>
+            </a:r>
+            <a:endParaRPr lang="en-US" sz="2800" dirty="0">
+              <a:solidFill>
+                <a:srgbClr val="707070"/>
+              </a:solidFill>
+              <a:latin typeface="Pragmatica" panose="020B0403040502020204" pitchFamily="34" charset="0"/>
+            </a:endParaRPr>
+          </a:p>
+          <a:p>
+            <a:pPr marL="742950" lvl="1" indent="-285750">
               <a:buFont typeface="Arial" panose="020B0604020202020204" pitchFamily="34" charset="0"/>
               <a:buChar char="•"/>
             </a:pPr>
@@ -6182,7 +6895,31 @@
                 </a:solidFill>
                 <a:latin typeface="Pragmatica" panose="020B0403040502020204" pitchFamily="34" charset="0"/>
               </a:rPr>
-              <a:t>Follow along: demo-notes.docx</a:t>
+              <a:t>Code &gt; Download ZIP</a:t>
+            </a:r>
+          </a:p>
+          <a:p>
+            <a:pPr marL="285750" indent="-285750">
+              <a:buFont typeface="Arial" panose="020B0604020202020204" pitchFamily="34" charset="0"/>
+              <a:buChar char="•"/>
+            </a:pPr>
+            <a:r>
+              <a:rPr lang="en-US" sz="2800" dirty="0">
+                <a:solidFill>
+                  <a:srgbClr val="707070"/>
+                </a:solidFill>
+                <a:latin typeface="Pragmatica" panose="020B0403040502020204" pitchFamily="34" charset="0"/>
+              </a:rPr>
+              <a:t>Follow along: </a:t>
+            </a:r>
+            <a:r>
+              <a:rPr lang="en-US" sz="2800" dirty="0">
+                <a:solidFill>
+                  <a:srgbClr val="707070"/>
+                </a:solidFill>
+                <a:latin typeface="Consolas" panose="020B0609020204030204" pitchFamily="49" charset="0"/>
+              </a:rPr>
+              <a:t>demo-notes.docx</a:t>
             </a:r>
           </a:p>
           <a:p>
@@ -6221,6 +6958,221 @@
 </file>
 
 <file path=ppt/slides/slide3.xml><?xml version="1.0" encoding="utf-8"?>
+<p:sld xmlns:a="http://schemas.openxmlformats.org/drawingml/2006/main" xmlns:r="http://schemas.openxmlformats.org/officeDocument/2006/relationships" xmlns:p="http://schemas.openxmlformats.org/presentationml/2006/main">
+  <p:cSld>
+    <p:spTree>
+      <p:nvGrpSpPr>
+        <p:cNvPr id="1" name=""/>
+        <p:cNvGrpSpPr/>
+        <p:nvPr/>
+      </p:nvGrpSpPr>
+      <p:grpSpPr>
+        <a:xfrm>
+          <a:off x="0" y="0"/>
+          <a:ext cx="0" cy="0"/>
+          <a:chOff x="0" y="0"/>
+          <a:chExt cx="0" cy="0"/>
+        </a:xfrm>
+      </p:grpSpPr>
+      <p:sp>
+        <p:nvSpPr>
+          <p:cNvPr id="4" name="Rectangle 3"/>
+          <p:cNvSpPr/>
+          <p:nvPr/>
+        </p:nvSpPr>
+        <p:spPr>
+          <a:xfrm>
+            <a:off x="6574420" y="0"/>
+            <a:ext cx="5617580" cy="6858000"/>
+          </a:xfrm>
+          <a:prstGeom prst="rect">
+            <a:avLst/>
+          </a:prstGeom>
+          <a:solidFill>
+            <a:srgbClr val="CF3338"/>
+          </a:solidFill>
+        </p:spPr>
+        <p:style>
+          <a:lnRef idx="2">
+            <a:schemeClr val="accent1">
+              <a:shade val="50000"/>
+            </a:schemeClr>
+          </a:lnRef>
+          <a:fillRef idx="1">
+            <a:schemeClr val="accent1"/>
+          </a:fillRef>
+          <a:effectRef idx="0">
+            <a:schemeClr val="accent1"/>
+          </a:effectRef>
+          <a:fontRef idx="minor">
+            <a:schemeClr val="lt1"/>
+          </a:fontRef>
+        </p:style>
+        <p:txBody>
+          <a:bodyPr rtlCol="0" anchor="ctr"/>
+          <a:lstStyle/>
+          <a:p>
+            <a:pPr algn="ctr"/>
+            <a:endParaRPr lang="en-US"/>
+          </a:p>
+        </p:txBody>
+      </p:sp>
+      <p:sp>
+        <p:nvSpPr>
+          <p:cNvPr id="5" name="TextBox 4"/>
+          <p:cNvSpPr txBox="1"/>
+          <p:nvPr/>
+        </p:nvSpPr>
+        <p:spPr>
+          <a:xfrm>
+            <a:off x="6817489" y="0"/>
+            <a:ext cx="4120587" cy="2800767"/>
+          </a:xfrm>
+          <a:prstGeom prst="rect">
+            <a:avLst/>
+          </a:prstGeom>
+          <a:noFill/>
+        </p:spPr>
+        <p:txBody>
+          <a:bodyPr wrap="square" rtlCol="0">
+            <a:spAutoFit/>
+          </a:bodyPr>
+          <a:lstStyle/>
+          <a:p>
+            <a:r>
+              <a:rPr lang="en-US" sz="8800" dirty="0">
+                <a:solidFill>
+                  <a:schemeClr val="bg1"/>
+                </a:solidFill>
+                <a:latin typeface="Aliens &amp; cows" panose="00000500000000000000" pitchFamily="2" charset="0"/>
+              </a:rPr>
+              <a:t>Chat me up… </a:t>
+            </a:r>
+          </a:p>
+        </p:txBody>
+      </p:sp>
+      <p:pic>
+        <p:nvPicPr>
+          <p:cNvPr id="2" name="Picture 1"/>
+          <p:cNvPicPr>
+            <a:picLocks noChangeAspect="1"/>
+          </p:cNvPicPr>
+          <p:nvPr/>
+        </p:nvPicPr>
+        <p:blipFill rotWithShape="1">
+          <a:blip r:embed="rId3">
+            <a:extLst>
+              <a:ext uri="{28A0092B-C50C-407E-A947-70E740481C1C}">
+                <a14:useLocalDpi xmlns:a14="http://schemas.microsoft.com/office/drawing/2010/main" val="0"/>
+              </a:ext>
+            </a:extLst>
+          </a:blip>
+          <a:srcRect l="69227" t="33418" r="20112" b="50548"/>
+          <a:stretch/>
+        </p:blipFill>
+        <p:spPr>
+          <a:xfrm>
+            <a:off x="10386349" y="5029795"/>
+            <a:ext cx="1805651" cy="1991719"/>
+          </a:xfrm>
+          <a:prstGeom prst="rect">
+            <a:avLst/>
+          </a:prstGeom>
+        </p:spPr>
+      </p:pic>
+      <p:sp>
+        <p:nvSpPr>
+          <p:cNvPr id="3" name="TextBox 2"/>
+          <p:cNvSpPr txBox="1"/>
+          <p:nvPr/>
+        </p:nvSpPr>
+        <p:spPr>
+          <a:xfrm>
+            <a:off x="173620" y="219919"/>
+            <a:ext cx="5937813" cy="3539430"/>
+          </a:xfrm>
+          <a:prstGeom prst="rect">
+            <a:avLst/>
+          </a:prstGeom>
+          <a:noFill/>
+        </p:spPr>
+        <p:txBody>
+          <a:bodyPr wrap="square" rtlCol="0">
+            <a:spAutoFit/>
+          </a:bodyPr>
+          <a:lstStyle/>
+          <a:p>
+            <a:endParaRPr lang="en-US" sz="2800" b="1" dirty="0">
+              <a:solidFill>
+                <a:srgbClr val="CF3338"/>
+              </a:solidFill>
+              <a:latin typeface="Pragmatica" pitchFamily="2" charset="0"/>
+            </a:endParaRPr>
+          </a:p>
+          <a:p>
+            <a:pPr marL="514350" indent="-514350">
+              <a:buFont typeface="Arial" panose="020B0604020202020204" pitchFamily="34" charset="0"/>
+              <a:buChar char="•"/>
+            </a:pPr>
+            <a:r>
+              <a:rPr lang="en-US" sz="2800" b="1" dirty="0">
+                <a:solidFill>
+                  <a:srgbClr val="CF3338"/>
+                </a:solidFill>
+                <a:latin typeface="Pragmatica" pitchFamily="2" charset="0"/>
+              </a:rPr>
+              <a:t>What do you find most difficult about virtual Excel instruction (synchronous or asynchronous)?</a:t>
+            </a:r>
+          </a:p>
+          <a:p>
+            <a:pPr marL="514350" indent="-514350">
+              <a:buFont typeface="Arial" panose="020B0604020202020204" pitchFamily="34" charset="0"/>
+              <a:buChar char="•"/>
+            </a:pPr>
+            <a:endParaRPr lang="en-US" sz="2800" b="1" dirty="0">
+              <a:solidFill>
+                <a:srgbClr val="CF3338"/>
+              </a:solidFill>
+              <a:latin typeface="Pragmatica" pitchFamily="2" charset="0"/>
+            </a:endParaRPr>
+          </a:p>
+          <a:p>
+            <a:pPr marL="514350" indent="-514350">
+              <a:buFont typeface="Arial" panose="020B0604020202020204" pitchFamily="34" charset="0"/>
+              <a:buChar char="•"/>
+            </a:pPr>
+            <a:r>
+              <a:rPr lang="en-US" sz="2800" b="1" dirty="0">
+                <a:solidFill>
+                  <a:srgbClr val="CF3338"/>
+                </a:solidFill>
+                <a:latin typeface="Pragmatica" pitchFamily="2" charset="0"/>
+              </a:rPr>
+              <a:t>What do you like and dislike about it?</a:t>
+            </a:r>
+            <a:endParaRPr lang="en-US" sz="2800" b="1" dirty="0">
+              <a:solidFill>
+                <a:srgbClr val="CF3338"/>
+              </a:solidFill>
+              <a:latin typeface="Consolas" panose="020B0609020204030204" pitchFamily="49" charset="0"/>
+            </a:endParaRPr>
+          </a:p>
+        </p:txBody>
+      </p:sp>
+    </p:spTree>
+    <p:extLst>
+      <p:ext uri="{BB962C8B-B14F-4D97-AF65-F5344CB8AC3E}">
+        <p14:creationId xmlns:p14="http://schemas.microsoft.com/office/powerpoint/2010/main" val="2133503835"/>
+      </p:ext>
+    </p:extLst>
+  </p:cSld>
+  <p:clrMapOvr>
+    <a:masterClrMapping/>
+  </p:clrMapOvr>
+</p:sld>
+</file>
+
+<file path=ppt/slides/slide4.xml><?xml version="1.0" encoding="utf-8"?>
 <p:sld xmlns:a="http://schemas.openxmlformats.org/drawingml/2006/main" xmlns:r="http://schemas.openxmlformats.org/officeDocument/2006/relationships" xmlns:p="http://schemas.openxmlformats.org/presentationml/2006/main">
   <p:cSld>
     <p:spTree>
@@ -6345,7 +7297,7 @@
                 </a:solidFill>
                 <a:latin typeface="Pragmatica" panose="020B0403040502020204" pitchFamily="34" charset="0"/>
               </a:rPr>
-              <a:t>Share tips for teaching Excel online</a:t>
+              <a:t>Share tips for online Excel instruction</a:t>
             </a:r>
           </a:p>
           <a:p>
@@ -6353,6 +7305,14 @@
               <a:buFont typeface="Arial" panose="020B0604020202020204" pitchFamily="34" charset="0"/>
               <a:buChar char="•"/>
             </a:pPr>
+            <a:endParaRPr lang="en-US" sz="2800" b="1" dirty="0">
+              <a:solidFill>
+                <a:srgbClr val="707070"/>
+              </a:solidFill>
+              <a:latin typeface="Pragmatica" panose="020B0403040502020204" pitchFamily="34" charset="0"/>
+            </a:endParaRPr>
+          </a:p>
+          <a:p>
             <a:endParaRPr lang="en-US" sz="2800" dirty="0">
               <a:solidFill>
                 <a:srgbClr val="707070"/>
@@ -6360,235 +7320,12 @@
               <a:latin typeface="Pragmatica" panose="020B0403040502020204" pitchFamily="34" charset="0"/>
             </a:endParaRPr>
           </a:p>
-          <a:p>
-            <a:endParaRPr lang="en-US" sz="2800" dirty="0">
-              <a:solidFill>
-                <a:srgbClr val="707070"/>
-              </a:solidFill>
-              <a:latin typeface="Pragmatica" panose="020B0403040502020204" pitchFamily="34" charset="0"/>
-            </a:endParaRPr>
-          </a:p>
         </p:txBody>
       </p:sp>
     </p:spTree>
     <p:extLst>
       <p:ext uri="{BB962C8B-B14F-4D97-AF65-F5344CB8AC3E}">
         <p14:creationId xmlns:p14="http://schemas.microsoft.com/office/powerpoint/2010/main" val="686862983"/>
-      </p:ext>
-    </p:extLst>
-  </p:cSld>
-  <p:clrMapOvr>
-    <a:masterClrMapping/>
-  </p:clrMapOvr>
-</p:sld>
-</file>
-
-<file path=ppt/slides/slide4.xml><?xml version="1.0" encoding="utf-8"?>
-<p:sld xmlns:a="http://schemas.openxmlformats.org/drawingml/2006/main" xmlns:r="http://schemas.openxmlformats.org/officeDocument/2006/relationships" xmlns:p="http://schemas.openxmlformats.org/presentationml/2006/main">
-  <p:cSld>
-    <p:spTree>
-      <p:nvGrpSpPr>
-        <p:cNvPr id="1" name=""/>
-        <p:cNvGrpSpPr/>
-        <p:nvPr/>
-      </p:nvGrpSpPr>
-      <p:grpSpPr>
-        <a:xfrm>
-          <a:off x="0" y="0"/>
-          <a:ext cx="0" cy="0"/>
-          <a:chOff x="0" y="0"/>
-          <a:chExt cx="0" cy="0"/>
-        </a:xfrm>
-      </p:grpSpPr>
-      <p:sp>
-        <p:nvSpPr>
-          <p:cNvPr id="4" name="Rectangle 3"/>
-          <p:cNvSpPr/>
-          <p:nvPr/>
-        </p:nvSpPr>
-        <p:spPr>
-          <a:xfrm>
-            <a:off x="6574420" y="0"/>
-            <a:ext cx="5617580" cy="6858000"/>
-          </a:xfrm>
-          <a:prstGeom prst="rect">
-            <a:avLst/>
-          </a:prstGeom>
-          <a:solidFill>
-            <a:srgbClr val="CF3338"/>
-          </a:solidFill>
-        </p:spPr>
-        <p:style>
-          <a:lnRef idx="2">
-            <a:schemeClr val="accent1">
-              <a:shade val="50000"/>
-            </a:schemeClr>
-          </a:lnRef>
-          <a:fillRef idx="1">
-            <a:schemeClr val="accent1"/>
-          </a:fillRef>
-          <a:effectRef idx="0">
-            <a:schemeClr val="accent1"/>
-          </a:effectRef>
-          <a:fontRef idx="minor">
-            <a:schemeClr val="lt1"/>
-          </a:fontRef>
-        </p:style>
-        <p:txBody>
-          <a:bodyPr rtlCol="0" anchor="ctr"/>
-          <a:lstStyle/>
-          <a:p>
-            <a:pPr algn="ctr"/>
-            <a:endParaRPr lang="en-US"/>
-          </a:p>
-        </p:txBody>
-      </p:sp>
-      <p:sp>
-        <p:nvSpPr>
-          <p:cNvPr id="5" name="TextBox 4"/>
-          <p:cNvSpPr txBox="1"/>
-          <p:nvPr/>
-        </p:nvSpPr>
-        <p:spPr>
-          <a:xfrm>
-            <a:off x="6817489" y="0"/>
-            <a:ext cx="4120587" cy="2800767"/>
-          </a:xfrm>
-          <a:prstGeom prst="rect">
-            <a:avLst/>
-          </a:prstGeom>
-          <a:noFill/>
-        </p:spPr>
-        <p:txBody>
-          <a:bodyPr wrap="square" rtlCol="0">
-            <a:spAutoFit/>
-          </a:bodyPr>
-          <a:lstStyle/>
-          <a:p>
-            <a:r>
-              <a:rPr lang="en-US" sz="8800" dirty="0">
-                <a:solidFill>
-                  <a:schemeClr val="bg1"/>
-                </a:solidFill>
-                <a:latin typeface="Aliens &amp; cows" panose="00000500000000000000" pitchFamily="2" charset="0"/>
-              </a:rPr>
-              <a:t>Chat me up… </a:t>
-            </a:r>
-          </a:p>
-        </p:txBody>
-      </p:sp>
-      <p:pic>
-        <p:nvPicPr>
-          <p:cNvPr id="2" name="Picture 1"/>
-          <p:cNvPicPr>
-            <a:picLocks noChangeAspect="1"/>
-          </p:cNvPicPr>
-          <p:nvPr/>
-        </p:nvPicPr>
-        <p:blipFill rotWithShape="1">
-          <a:blip r:embed="rId3">
-            <a:extLst>
-              <a:ext uri="{28A0092B-C50C-407E-A947-70E740481C1C}">
-                <a14:useLocalDpi xmlns:a14="http://schemas.microsoft.com/office/drawing/2010/main" val="0"/>
-              </a:ext>
-            </a:extLst>
-          </a:blip>
-          <a:srcRect l="69227" t="33418" r="20112" b="50548"/>
-          <a:stretch/>
-        </p:blipFill>
-        <p:spPr>
-          <a:xfrm>
-            <a:off x="10386349" y="5029795"/>
-            <a:ext cx="1805651" cy="1991719"/>
-          </a:xfrm>
-          <a:prstGeom prst="rect">
-            <a:avLst/>
-          </a:prstGeom>
-        </p:spPr>
-      </p:pic>
-      <p:sp>
-        <p:nvSpPr>
-          <p:cNvPr id="3" name="TextBox 2"/>
-          <p:cNvSpPr txBox="1"/>
-          <p:nvPr/>
-        </p:nvSpPr>
-        <p:spPr>
-          <a:xfrm>
-            <a:off x="173620" y="219919"/>
-            <a:ext cx="5937813" cy="3539430"/>
-          </a:xfrm>
-          <a:prstGeom prst="rect">
-            <a:avLst/>
-          </a:prstGeom>
-          <a:noFill/>
-        </p:spPr>
-        <p:txBody>
-          <a:bodyPr wrap="square" rtlCol="0">
-            <a:spAutoFit/>
-          </a:bodyPr>
-          <a:lstStyle/>
-          <a:p>
-            <a:endParaRPr lang="en-US" sz="2800" b="1" dirty="0">
-              <a:solidFill>
-                <a:srgbClr val="CF3338"/>
-              </a:solidFill>
-              <a:latin typeface="Pragmatica" pitchFamily="2" charset="0"/>
-            </a:endParaRPr>
-          </a:p>
-          <a:p>
-            <a:pPr marL="514350" indent="-514350">
-              <a:buFont typeface="Arial" panose="020B0604020202020204" pitchFamily="34" charset="0"/>
-              <a:buChar char="•"/>
-            </a:pPr>
-            <a:r>
-              <a:rPr lang="en-US" sz="2800" b="1" dirty="0">
-                <a:solidFill>
-                  <a:srgbClr val="CF3338"/>
-                </a:solidFill>
-                <a:latin typeface="Pragmatica" pitchFamily="2" charset="0"/>
-              </a:rPr>
-              <a:t>What do you find most difficult about live virtual training? Virtual Excel training?</a:t>
-            </a:r>
-          </a:p>
-          <a:p>
-            <a:pPr marL="514350" indent="-514350">
-              <a:buFont typeface="Arial" panose="020B0604020202020204" pitchFamily="34" charset="0"/>
-              <a:buChar char="•"/>
-            </a:pPr>
-            <a:endParaRPr lang="en-US" sz="2800" b="1" dirty="0">
-              <a:solidFill>
-                <a:srgbClr val="CF3338"/>
-              </a:solidFill>
-              <a:latin typeface="Pragmatica" pitchFamily="2" charset="0"/>
-            </a:endParaRPr>
-          </a:p>
-          <a:p>
-            <a:pPr marL="514350" indent="-514350">
-              <a:buFont typeface="Arial" panose="020B0604020202020204" pitchFamily="34" charset="0"/>
-              <a:buChar char="•"/>
-            </a:pPr>
-            <a:r>
-              <a:rPr lang="en-US" sz="2800" b="1" dirty="0">
-                <a:solidFill>
-                  <a:srgbClr val="CF3338"/>
-                </a:solidFill>
-                <a:latin typeface="Pragmatica" pitchFamily="2" charset="0"/>
-              </a:rPr>
-              <a:t>What is most difficult about leading it? </a:t>
-            </a:r>
-            <a:endParaRPr lang="en-US" sz="2800" b="1" dirty="0">
-              <a:solidFill>
-                <a:srgbClr val="CF3338"/>
-              </a:solidFill>
-              <a:latin typeface="Consolas" panose="020B0609020204030204" pitchFamily="49" charset="0"/>
-            </a:endParaRPr>
-          </a:p>
-        </p:txBody>
-      </p:sp>
-    </p:spTree>
-    <p:extLst>
-      <p:ext uri="{BB962C8B-B14F-4D97-AF65-F5344CB8AC3E}">
-        <p14:creationId xmlns:p14="http://schemas.microsoft.com/office/powerpoint/2010/main" val="2133503835"/>
       </p:ext>
     </p:extLst>
   </p:cSld>
@@ -6624,7 +7361,7 @@
           <p:nvPr/>
         </p:nvPicPr>
         <p:blipFill rotWithShape="1">
-          <a:blip r:embed="rId2">
+          <a:blip r:embed="rId3">
             <a:extLst>
               <a:ext uri="{28A0092B-C50C-407E-A947-70E740481C1C}">
                 <a14:useLocalDpi xmlns:a14="http://schemas.microsoft.com/office/drawing/2010/main" val="0"/>
@@ -6690,13 +7427,13 @@
           <p:nvPr/>
         </p:nvPicPr>
         <p:blipFill>
-          <a:blip r:embed="rId3">
+          <a:blip r:embed="rId4">
             <a:extLst>
               <a:ext uri="{28A0092B-C50C-407E-A947-70E740481C1C}">
                 <a14:useLocalDpi xmlns:a14="http://schemas.microsoft.com/office/drawing/2010/main" val="0"/>
               </a:ext>
               <a:ext uri="{96DAC541-7B7A-43D3-8B79-37D633B846F1}">
-                <asvg:svgBlip xmlns:asvg="http://schemas.microsoft.com/office/drawing/2016/SVG/main" r:embed="rId4"/>
+                <asvg:svgBlip xmlns:asvg="http://schemas.microsoft.com/office/drawing/2016/SVG/main" r:embed="rId5"/>
               </a:ext>
             </a:extLst>
           </a:blip>
@@ -6729,7 +7466,7 @@
         <p:spPr>
           <a:xfrm>
             <a:off x="449501" y="2558852"/>
-            <a:ext cx="6371177" cy="1384995"/>
+            <a:ext cx="6371177" cy="2677656"/>
           </a:xfrm>
           <a:prstGeom prst="rect">
             <a:avLst/>
@@ -6791,7 +7528,7 @@
                   <a:srgbClr val="707070"/>
                 </a:solidFill>
                 <a:latin typeface="Pragmatica" panose="020B0403040502020204" pitchFamily="34" charset="0"/>
-                <a:hlinkClick r:id="rId5"/>
+                <a:hlinkClick r:id="rId6"/>
               </a:rPr>
               <a:t>Logitech Spotlight</a:t>
             </a:r>
@@ -6801,6 +7538,29 @@
               </a:solidFill>
               <a:latin typeface="Pragmatica" panose="020B0403040502020204" pitchFamily="34" charset="0"/>
             </a:endParaRPr>
+          </a:p>
+          <a:p>
+            <a:pPr marL="285750" indent="-285750">
+              <a:buFont typeface="Arial" panose="020B0604020202020204" pitchFamily="34" charset="0"/>
+              <a:buChar char="•"/>
+            </a:pPr>
+            <a:endParaRPr lang="en-US" sz="2800" dirty="0">
+              <a:solidFill>
+                <a:srgbClr val="707070"/>
+              </a:solidFill>
+              <a:latin typeface="Pragmatica" panose="020B0403040502020204" pitchFamily="34" charset="0"/>
+            </a:endParaRPr>
+          </a:p>
+          <a:p>
+            <a:r>
+              <a:rPr lang="en-US" sz="2800" i="1" dirty="0">
+                <a:solidFill>
+                  <a:srgbClr val="707070"/>
+                </a:solidFill>
+                <a:latin typeface="Pragmatica" panose="020B0403040502020204" pitchFamily="34" charset="0"/>
+              </a:rPr>
+              <a:t>Open a blank worksheet and follow with demo notes…</a:t>
+            </a:r>
           </a:p>
         </p:txBody>
       </p:sp>

--- a/top-tips-teaching-excel-online.pptx
+++ b/top-tips-teaching-excel-online.pptx
@@ -1772,20 +1772,6 @@
 </pc:chgInfo>
 </file>
 
-<file path=ppt/comments/comment1.xml><?xml version="1.0" encoding="utf-8"?>
-<p:cmLst xmlns:a="http://schemas.openxmlformats.org/drawingml/2006/main" xmlns:r="http://schemas.openxmlformats.org/officeDocument/2006/relationships" xmlns:p="http://schemas.openxmlformats.org/presentationml/2006/main">
-  <p:cm authorId="1" dt="2021-10-21T10:19:52.155" idx="1">
-    <p:pos x="10" y="10"/>
-    <p:text/>
-    <p:extLst>
-      <p:ext uri="{C676402C-5697-4E1C-873F-D02D1690AC5C}">
-        <p15:threadingInfo xmlns:p15="http://schemas.microsoft.com/office/powerpoint/2012/main" timeZoneBias="240"/>
-      </p:ext>
-    </p:extLst>
-  </p:cm>
-</p:cmLst>
-</file>
-
 <file path=ppt/notesMasters/notesMaster1.xml><?xml version="1.0" encoding="utf-8"?>
 <p:notesMaster xmlns:a="http://schemas.openxmlformats.org/drawingml/2006/main" xmlns:r="http://schemas.openxmlformats.org/officeDocument/2006/relationships" xmlns:p="http://schemas.openxmlformats.org/presentationml/2006/main">
   <p:cSld>
@@ -1868,7 +1854,7 @@
           <a:p>
             <a:fld id="{503F064B-41F2-4661-BDF0-BFD135E9A557}" type="datetimeFigureOut">
               <a:rPr lang="en-US" smtClean="0"/>
-              <a:t>10/21/2021</a:t>
+              <a:t>11/3/2021</a:t>
             </a:fld>
             <a:endParaRPr lang="en-US"/>
           </a:p>
@@ -2713,7 +2699,7 @@
           <a:p>
             <a:fld id="{0138B082-EFC2-46C1-B47C-51736C670379}" type="datetimeFigureOut">
               <a:rPr lang="en-US" smtClean="0"/>
-              <a:t>10/21/2021</a:t>
+              <a:t>11/3/2021</a:t>
             </a:fld>
             <a:endParaRPr lang="en-US"/>
           </a:p>
@@ -2881,7 +2867,7 @@
           <a:p>
             <a:fld id="{0138B082-EFC2-46C1-B47C-51736C670379}" type="datetimeFigureOut">
               <a:rPr lang="en-US" smtClean="0"/>
-              <a:t>10/21/2021</a:t>
+              <a:t>11/3/2021</a:t>
             </a:fld>
             <a:endParaRPr lang="en-US"/>
           </a:p>
@@ -3059,7 +3045,7 @@
           <a:p>
             <a:fld id="{0138B082-EFC2-46C1-B47C-51736C670379}" type="datetimeFigureOut">
               <a:rPr lang="en-US" smtClean="0"/>
-              <a:t>10/21/2021</a:t>
+              <a:t>11/3/2021</a:t>
             </a:fld>
             <a:endParaRPr lang="en-US"/>
           </a:p>
@@ -3227,7 +3213,7 @@
           <a:p>
             <a:fld id="{0138B082-EFC2-46C1-B47C-51736C670379}" type="datetimeFigureOut">
               <a:rPr lang="en-US" smtClean="0"/>
-              <a:t>10/21/2021</a:t>
+              <a:t>11/3/2021</a:t>
             </a:fld>
             <a:endParaRPr lang="en-US"/>
           </a:p>
@@ -3472,7 +3458,7 @@
           <a:p>
             <a:fld id="{0138B082-EFC2-46C1-B47C-51736C670379}" type="datetimeFigureOut">
               <a:rPr lang="en-US" smtClean="0"/>
-              <a:t>10/21/2021</a:t>
+              <a:t>11/3/2021</a:t>
             </a:fld>
             <a:endParaRPr lang="en-US"/>
           </a:p>
@@ -3701,7 +3687,7 @@
           <a:p>
             <a:fld id="{0138B082-EFC2-46C1-B47C-51736C670379}" type="datetimeFigureOut">
               <a:rPr lang="en-US" smtClean="0"/>
-              <a:t>10/21/2021</a:t>
+              <a:t>11/3/2021</a:t>
             </a:fld>
             <a:endParaRPr lang="en-US"/>
           </a:p>
@@ -4065,7 +4051,7 @@
           <a:p>
             <a:fld id="{0138B082-EFC2-46C1-B47C-51736C670379}" type="datetimeFigureOut">
               <a:rPr lang="en-US" smtClean="0"/>
-              <a:t>10/21/2021</a:t>
+              <a:t>11/3/2021</a:t>
             </a:fld>
             <a:endParaRPr lang="en-US"/>
           </a:p>
@@ -4182,7 +4168,7 @@
           <a:p>
             <a:fld id="{0138B082-EFC2-46C1-B47C-51736C670379}" type="datetimeFigureOut">
               <a:rPr lang="en-US" smtClean="0"/>
-              <a:t>10/21/2021</a:t>
+              <a:t>11/3/2021</a:t>
             </a:fld>
             <a:endParaRPr lang="en-US"/>
           </a:p>
@@ -4277,7 +4263,7 @@
           <a:p>
             <a:fld id="{0138B082-EFC2-46C1-B47C-51736C670379}" type="datetimeFigureOut">
               <a:rPr lang="en-US" smtClean="0"/>
-              <a:t>10/21/2021</a:t>
+              <a:t>11/3/2021</a:t>
             </a:fld>
             <a:endParaRPr lang="en-US"/>
           </a:p>
@@ -4552,7 +4538,7 @@
           <a:p>
             <a:fld id="{0138B082-EFC2-46C1-B47C-51736C670379}" type="datetimeFigureOut">
               <a:rPr lang="en-US" smtClean="0"/>
-              <a:t>10/21/2021</a:t>
+              <a:t>11/3/2021</a:t>
             </a:fld>
             <a:endParaRPr lang="en-US"/>
           </a:p>
@@ -4804,7 +4790,7 @@
           <a:p>
             <a:fld id="{0138B082-EFC2-46C1-B47C-51736C670379}" type="datetimeFigureOut">
               <a:rPr lang="en-US" smtClean="0"/>
-              <a:t>10/21/2021</a:t>
+              <a:t>11/3/2021</a:t>
             </a:fld>
             <a:endParaRPr lang="en-US"/>
           </a:p>
@@ -5015,7 +5001,7 @@
           <a:p>
             <a:fld id="{0138B082-EFC2-46C1-B47C-51736C670379}" type="datetimeFigureOut">
               <a:rPr lang="en-US" smtClean="0"/>
-              <a:t>10/21/2021</a:t>
+              <a:t>11/3/2021</a:t>
             </a:fld>
             <a:endParaRPr lang="en-US"/>
           </a:p>
@@ -5570,15 +5556,15 @@
       </p:pic>
       <p:pic>
         <p:nvPicPr>
-          <p:cNvPr id="5" name="Picture 4" descr="Text&#10;&#10;Description automatically generated">
+          <p:cNvPr id="1026" name="Picture 2" descr="Cover">
             <a:extLst>
               <a:ext uri="{FF2B5EF4-FFF2-40B4-BE49-F238E27FC236}">
-                <a16:creationId xmlns:a16="http://schemas.microsoft.com/office/drawing/2014/main" id="{6F451A8A-1D8E-48BD-BA6B-18A77DB39B5B}"/>
+                <a16:creationId xmlns:a16="http://schemas.microsoft.com/office/drawing/2014/main" id="{6B79FBE2-B56A-477E-B5F0-F7EF6A2C4031}"/>
               </a:ext>
             </a:extLst>
           </p:cNvPr>
           <p:cNvPicPr>
-            <a:picLocks noChangeAspect="1"/>
+            <a:picLocks noChangeAspect="1" noChangeArrowheads="1"/>
           </p:cNvPicPr>
           <p:nvPr/>
         </p:nvPicPr>
@@ -5590,18 +5576,29 @@
               </a:ext>
             </a:extLst>
           </a:blip>
+          <a:srcRect/>
           <a:stretch>
             <a:fillRect/>
           </a:stretch>
         </p:blipFill>
-        <p:spPr>
+        <p:spPr bwMode="auto">
           <a:xfrm>
-            <a:off x="762" y="428"/>
-            <a:ext cx="12190476" cy="6857143"/>
+            <a:off x="-762" y="0"/>
+            <a:ext cx="12192000" cy="6858000"/>
           </a:xfrm>
           <a:prstGeom prst="rect">
             <a:avLst/>
           </a:prstGeom>
+          <a:noFill/>
+          <a:extLst>
+            <a:ext uri="{909E8E84-426E-40DD-AFC4-6F175D3DCCD1}">
+              <a14:hiddenFill xmlns:a14="http://schemas.microsoft.com/office/drawing/2010/main">
+                <a:solidFill>
+                  <a:srgbClr val="FFFFFF"/>
+                </a:solidFill>
+              </a14:hiddenFill>
+            </a:ext>
+          </a:extLst>
         </p:spPr>
       </p:pic>
     </p:spTree>
@@ -6826,7 +6823,7 @@
               <a:rPr lang="en-US" sz="6000" dirty="0">
                 <a:latin typeface="Aliens &amp; cows" panose="00000500000000000000" pitchFamily="2" charset="0"/>
               </a:rPr>
-              <a:t>Follow along with today</a:t>
+              <a:t>Follow along</a:t>
             </a:r>
           </a:p>
         </p:txBody>
